--- a/PPT/Go 03.pptx
+++ b/PPT/Go 03.pptx
@@ -133,81 +133,27 @@
 <file path=ppt/changesInfos/changesInfo1.xml><?xml version="1.0" encoding="utf-8"?>
 <pc:chgInfo xmlns:a="http://schemas.openxmlformats.org/drawingml/2006/main" xmlns:r="http://schemas.openxmlformats.org/officeDocument/2006/relationships" xmlns:ac="http://schemas.microsoft.com/office/drawing/2013/main/command" xmlns:pc="http://schemas.microsoft.com/office/powerpoint/2013/main/command">
   <pc:docChgLst>
-    <pc:chgData name="Yang Xu" userId="2ef8d03b0d59ea36" providerId="LiveId" clId="{A3B062B6-7454-4BD5-9FB8-FD5660058AD8}"/>
-    <pc:docChg chg="undo custSel mod addSld delSld modSld">
-      <pc:chgData name="Yang Xu" userId="2ef8d03b0d59ea36" providerId="LiveId" clId="{A3B062B6-7454-4BD5-9FB8-FD5660058AD8}" dt="2020-05-16T14:27:51.063" v="1012" actId="26606"/>
+    <pc:chgData name="Xu" userId="2ef8d03b0d59ea36" providerId="LiveId" clId="{E518B18D-5428-4365-9555-839F11353D3A}"/>
+    <pc:docChg chg="addSld delSld modSld">
+      <pc:chgData name="Xu" userId="2ef8d03b0d59ea36" providerId="LiveId" clId="{E518B18D-5428-4365-9555-839F11353D3A}" dt="2020-06-04T04:15:58.762" v="190"/>
       <pc:docMkLst>
         <pc:docMk/>
       </pc:docMkLst>
-      <pc:sldChg chg="addSp delSp modSp mod modTransition">
-        <pc:chgData name="Yang Xu" userId="2ef8d03b0d59ea36" providerId="LiveId" clId="{A3B062B6-7454-4BD5-9FB8-FD5660058AD8}" dt="2020-05-16T14:03:52.334" v="984"/>
-        <pc:sldMkLst>
-          <pc:docMk/>
-          <pc:sldMk cId="477735695" sldId="256"/>
-        </pc:sldMkLst>
-        <pc:spChg chg="mod">
-          <ac:chgData name="Yang Xu" userId="2ef8d03b0d59ea36" providerId="LiveId" clId="{A3B062B6-7454-4BD5-9FB8-FD5660058AD8}" dt="2020-05-16T14:03:36.181" v="975" actId="404"/>
-          <ac:spMkLst>
-            <pc:docMk/>
-            <pc:sldMk cId="477735695" sldId="256"/>
-            <ac:spMk id="3" creationId="{A33DA443-D464-48F6-83B3-A5D2EB31C0B3}"/>
-          </ac:spMkLst>
-        </pc:spChg>
-        <pc:picChg chg="add del mod">
-          <ac:chgData name="Yang Xu" userId="2ef8d03b0d59ea36" providerId="LiveId" clId="{A3B062B6-7454-4BD5-9FB8-FD5660058AD8}" dt="2020-05-16T13:15:17.363" v="77" actId="478"/>
-          <ac:picMkLst>
-            <pc:docMk/>
-            <pc:sldMk cId="477735695" sldId="256"/>
-            <ac:picMk id="5" creationId="{96EB7666-3151-432E-B270-CD2D86C45156}"/>
-          </ac:picMkLst>
-        </pc:picChg>
-        <pc:picChg chg="add mod">
-          <ac:chgData name="Yang Xu" userId="2ef8d03b0d59ea36" providerId="LiveId" clId="{A3B062B6-7454-4BD5-9FB8-FD5660058AD8}" dt="2020-05-16T14:03:11.689" v="968" actId="14100"/>
-          <ac:picMkLst>
-            <pc:docMk/>
-            <pc:sldMk cId="477735695" sldId="256"/>
-            <ac:picMk id="6" creationId="{2937F136-FE04-407F-8689-0FBB8ADA0EE9}"/>
-          </ac:picMkLst>
-        </pc:picChg>
-      </pc:sldChg>
-      <pc:sldChg chg="modSp new mod modTransition modAnim">
-        <pc:chgData name="Yang Xu" userId="2ef8d03b0d59ea36" providerId="LiveId" clId="{A3B062B6-7454-4BD5-9FB8-FD5660058AD8}" dt="2020-05-16T14:25:36.959" v="991"/>
+      <pc:sldChg chg="del">
+        <pc:chgData name="Xu" userId="2ef8d03b0d59ea36" providerId="LiveId" clId="{E518B18D-5428-4365-9555-839F11353D3A}" dt="2020-06-04T04:10:46.552" v="21" actId="47"/>
         <pc:sldMkLst>
           <pc:docMk/>
           <pc:sldMk cId="2512956064" sldId="257"/>
         </pc:sldMkLst>
-        <pc:spChg chg="mod">
-          <ac:chgData name="Yang Xu" userId="2ef8d03b0d59ea36" providerId="LiveId" clId="{A3B062B6-7454-4BD5-9FB8-FD5660058AD8}" dt="2020-05-16T13:16:53.120" v="94"/>
-          <ac:spMkLst>
-            <pc:docMk/>
-            <pc:sldMk cId="2512956064" sldId="257"/>
-            <ac:spMk id="2" creationId="{F82F924D-AEEA-44A2-9A99-0E2D9053CAB0}"/>
-          </ac:spMkLst>
-        </pc:spChg>
-        <pc:spChg chg="mod">
-          <ac:chgData name="Yang Xu" userId="2ef8d03b0d59ea36" providerId="LiveId" clId="{A3B062B6-7454-4BD5-9FB8-FD5660058AD8}" dt="2020-05-16T13:18:57.736" v="187" actId="20577"/>
-          <ac:spMkLst>
-            <pc:docMk/>
-            <pc:sldMk cId="2512956064" sldId="257"/>
-            <ac:spMk id="3" creationId="{55714862-13C2-4979-94CB-9F5A812E8E14}"/>
-          </ac:spMkLst>
-        </pc:spChg>
       </pc:sldChg>
-      <pc:sldChg chg="new del">
-        <pc:chgData name="Yang Xu" userId="2ef8d03b0d59ea36" providerId="LiveId" clId="{A3B062B6-7454-4BD5-9FB8-FD5660058AD8}" dt="2020-05-16T12:57:55.027" v="1" actId="47"/>
-        <pc:sldMkLst>
-          <pc:docMk/>
-          <pc:sldMk cId="3499622369" sldId="257"/>
-        </pc:sldMkLst>
-      </pc:sldChg>
-      <pc:sldChg chg="modSp new mod modTransition">
-        <pc:chgData name="Yang Xu" userId="2ef8d03b0d59ea36" providerId="LiveId" clId="{A3B062B6-7454-4BD5-9FB8-FD5660058AD8}" dt="2020-05-16T14:25:06.223" v="985"/>
+      <pc:sldChg chg="modSp mod">
+        <pc:chgData name="Xu" userId="2ef8d03b0d59ea36" providerId="LiveId" clId="{E518B18D-5428-4365-9555-839F11353D3A}" dt="2020-06-04T04:10:41.270" v="20"/>
         <pc:sldMkLst>
           <pc:docMk/>
           <pc:sldMk cId="1936153105" sldId="258"/>
         </pc:sldMkLst>
         <pc:spChg chg="mod">
-          <ac:chgData name="Yang Xu" userId="2ef8d03b0d59ea36" providerId="LiveId" clId="{A3B062B6-7454-4BD5-9FB8-FD5660058AD8}" dt="2020-05-16T13:17:09.861" v="165"/>
+          <ac:chgData name="Xu" userId="2ef8d03b0d59ea36" providerId="LiveId" clId="{E518B18D-5428-4365-9555-839F11353D3A}" dt="2020-06-04T04:10:41.270" v="20"/>
           <ac:spMkLst>
             <pc:docMk/>
             <pc:sldMk cId="1936153105" sldId="258"/>
@@ -215,292 +161,85 @@
           </ac:spMkLst>
         </pc:spChg>
       </pc:sldChg>
-      <pc:sldChg chg="modSp new mod modTransition modAnim">
-        <pc:chgData name="Yang Xu" userId="2ef8d03b0d59ea36" providerId="LiveId" clId="{A3B062B6-7454-4BD5-9FB8-FD5660058AD8}" dt="2020-05-16T14:25:49.528" v="994"/>
+      <pc:sldChg chg="del">
+        <pc:chgData name="Xu" userId="2ef8d03b0d59ea36" providerId="LiveId" clId="{E518B18D-5428-4365-9555-839F11353D3A}" dt="2020-06-04T04:10:46.552" v="21" actId="47"/>
         <pc:sldMkLst>
           <pc:docMk/>
           <pc:sldMk cId="1503840005" sldId="259"/>
         </pc:sldMkLst>
-        <pc:spChg chg="mod">
-          <ac:chgData name="Yang Xu" userId="2ef8d03b0d59ea36" providerId="LiveId" clId="{A3B062B6-7454-4BD5-9FB8-FD5660058AD8}" dt="2020-05-16T13:19:27.132" v="219"/>
-          <ac:spMkLst>
-            <pc:docMk/>
-            <pc:sldMk cId="1503840005" sldId="259"/>
-            <ac:spMk id="2" creationId="{8E5D13C9-40CA-43A1-8A5C-ED709575DF02}"/>
-          </ac:spMkLst>
-        </pc:spChg>
-        <pc:spChg chg="mod">
-          <ac:chgData name="Yang Xu" userId="2ef8d03b0d59ea36" providerId="LiveId" clId="{A3B062B6-7454-4BD5-9FB8-FD5660058AD8}" dt="2020-05-16T13:21:05.179" v="243"/>
-          <ac:spMkLst>
-            <pc:docMk/>
-            <pc:sldMk cId="1503840005" sldId="259"/>
-            <ac:spMk id="3" creationId="{55D7D51F-507E-4274-B15E-FE0898F037BC}"/>
-          </ac:spMkLst>
-        </pc:spChg>
       </pc:sldChg>
-      <pc:sldChg chg="modSp new mod modTransition">
-        <pc:chgData name="Yang Xu" userId="2ef8d03b0d59ea36" providerId="LiveId" clId="{A3B062B6-7454-4BD5-9FB8-FD5660058AD8}" dt="2020-05-16T14:25:06.223" v="985"/>
+      <pc:sldChg chg="del">
+        <pc:chgData name="Xu" userId="2ef8d03b0d59ea36" providerId="LiveId" clId="{E518B18D-5428-4365-9555-839F11353D3A}" dt="2020-06-04T04:10:46.552" v="21" actId="47"/>
         <pc:sldMkLst>
           <pc:docMk/>
           <pc:sldMk cId="3860218374" sldId="260"/>
         </pc:sldMkLst>
-        <pc:spChg chg="mod">
-          <ac:chgData name="Yang Xu" userId="2ef8d03b0d59ea36" providerId="LiveId" clId="{A3B062B6-7454-4BD5-9FB8-FD5660058AD8}" dt="2020-05-16T13:21:29.989" v="263"/>
-          <ac:spMkLst>
-            <pc:docMk/>
-            <pc:sldMk cId="3860218374" sldId="260"/>
-            <ac:spMk id="2" creationId="{9F099842-078A-4C75-AB8E-683FA7BB6ED2}"/>
-          </ac:spMkLst>
-        </pc:spChg>
       </pc:sldChg>
-      <pc:sldChg chg="modSp new del mod">
-        <pc:chgData name="Yang Xu" userId="2ef8d03b0d59ea36" providerId="LiveId" clId="{A3B062B6-7454-4BD5-9FB8-FD5660058AD8}" dt="2020-05-16T13:21:49.338" v="317" actId="47"/>
-        <pc:sldMkLst>
-          <pc:docMk/>
-          <pc:sldMk cId="1558409088" sldId="261"/>
-        </pc:sldMkLst>
-        <pc:spChg chg="mod">
-          <ac:chgData name="Yang Xu" userId="2ef8d03b0d59ea36" providerId="LiveId" clId="{A3B062B6-7454-4BD5-9FB8-FD5660058AD8}" dt="2020-05-16T13:21:42.664" v="314"/>
-          <ac:spMkLst>
-            <pc:docMk/>
-            <pc:sldMk cId="1558409088" sldId="261"/>
-            <ac:spMk id="2" creationId="{928EB5CF-D744-4D35-BA35-DB99DEB0271B}"/>
-          </ac:spMkLst>
-        </pc:spChg>
-      </pc:sldChg>
-      <pc:sldChg chg="modSp new mod modTransition">
-        <pc:chgData name="Yang Xu" userId="2ef8d03b0d59ea36" providerId="LiveId" clId="{A3B062B6-7454-4BD5-9FB8-FD5660058AD8}" dt="2020-05-16T14:25:06.223" v="985"/>
+      <pc:sldChg chg="del">
+        <pc:chgData name="Xu" userId="2ef8d03b0d59ea36" providerId="LiveId" clId="{E518B18D-5428-4365-9555-839F11353D3A}" dt="2020-06-04T04:10:46.552" v="21" actId="47"/>
         <pc:sldMkLst>
           <pc:docMk/>
           <pc:sldMk cId="1477368812" sldId="262"/>
         </pc:sldMkLst>
-        <pc:spChg chg="mod">
-          <ac:chgData name="Yang Xu" userId="2ef8d03b0d59ea36" providerId="LiveId" clId="{A3B062B6-7454-4BD5-9FB8-FD5660058AD8}" dt="2020-05-16T13:21:47.855" v="316"/>
-          <ac:spMkLst>
-            <pc:docMk/>
-            <pc:sldMk cId="1477368812" sldId="262"/>
-            <ac:spMk id="2" creationId="{43DA6D8F-FEA2-4410-AB66-15C1754A341F}"/>
-          </ac:spMkLst>
-        </pc:spChg>
-        <pc:spChg chg="mod">
-          <ac:chgData name="Yang Xu" userId="2ef8d03b0d59ea36" providerId="LiveId" clId="{A3B062B6-7454-4BD5-9FB8-FD5660058AD8}" dt="2020-05-16T13:22:20.694" v="405" actId="20577"/>
-          <ac:spMkLst>
-            <pc:docMk/>
-            <pc:sldMk cId="1477368812" sldId="262"/>
-            <ac:spMk id="3" creationId="{D3DAFE90-71C9-4822-838E-23CC9692CF44}"/>
-          </ac:spMkLst>
-        </pc:spChg>
       </pc:sldChg>
-      <pc:sldChg chg="modSp new mod modTransition">
-        <pc:chgData name="Yang Xu" userId="2ef8d03b0d59ea36" providerId="LiveId" clId="{A3B062B6-7454-4BD5-9FB8-FD5660058AD8}" dt="2020-05-16T14:25:06.223" v="985"/>
+      <pc:sldChg chg="del">
+        <pc:chgData name="Xu" userId="2ef8d03b0d59ea36" providerId="LiveId" clId="{E518B18D-5428-4365-9555-839F11353D3A}" dt="2020-06-04T04:10:46.552" v="21" actId="47"/>
         <pc:sldMkLst>
           <pc:docMk/>
           <pc:sldMk cId="4135838749" sldId="263"/>
         </pc:sldMkLst>
-        <pc:spChg chg="mod">
-          <ac:chgData name="Yang Xu" userId="2ef8d03b0d59ea36" providerId="LiveId" clId="{A3B062B6-7454-4BD5-9FB8-FD5660058AD8}" dt="2020-05-16T13:22:47.552" v="470"/>
-          <ac:spMkLst>
-            <pc:docMk/>
-            <pc:sldMk cId="4135838749" sldId="263"/>
-            <ac:spMk id="2" creationId="{3E218AFE-5EF2-42D2-B974-6F68A983B671}"/>
-          </ac:spMkLst>
-        </pc:spChg>
-        <pc:spChg chg="mod">
-          <ac:chgData name="Yang Xu" userId="2ef8d03b0d59ea36" providerId="LiveId" clId="{A3B062B6-7454-4BD5-9FB8-FD5660058AD8}" dt="2020-05-16T13:23:08.122" v="493"/>
-          <ac:spMkLst>
-            <pc:docMk/>
-            <pc:sldMk cId="4135838749" sldId="263"/>
-            <ac:spMk id="3" creationId="{2D609566-B550-4F00-9C8C-CFF694DD946F}"/>
-          </ac:spMkLst>
-        </pc:spChg>
       </pc:sldChg>
-      <pc:sldChg chg="modSp new mod modTransition modAnim">
-        <pc:chgData name="Yang Xu" userId="2ef8d03b0d59ea36" providerId="LiveId" clId="{A3B062B6-7454-4BD5-9FB8-FD5660058AD8}" dt="2020-05-16T14:26:18.396" v="1000"/>
+      <pc:sldChg chg="del">
+        <pc:chgData name="Xu" userId="2ef8d03b0d59ea36" providerId="LiveId" clId="{E518B18D-5428-4365-9555-839F11353D3A}" dt="2020-06-04T04:10:46.552" v="21" actId="47"/>
         <pc:sldMkLst>
           <pc:docMk/>
           <pc:sldMk cId="336468213" sldId="264"/>
         </pc:sldMkLst>
-        <pc:spChg chg="mod">
-          <ac:chgData name="Yang Xu" userId="2ef8d03b0d59ea36" providerId="LiveId" clId="{A3B062B6-7454-4BD5-9FB8-FD5660058AD8}" dt="2020-05-16T13:24:26.366" v="538"/>
-          <ac:spMkLst>
-            <pc:docMk/>
-            <pc:sldMk cId="336468213" sldId="264"/>
-            <ac:spMk id="2" creationId="{DCB73388-AC47-4B23-A361-0CED689CEEB2}"/>
-          </ac:spMkLst>
-        </pc:spChg>
-        <pc:spChg chg="mod">
-          <ac:chgData name="Yang Xu" userId="2ef8d03b0d59ea36" providerId="LiveId" clId="{A3B062B6-7454-4BD5-9FB8-FD5660058AD8}" dt="2020-05-16T13:24:03.280" v="503" actId="15"/>
-          <ac:spMkLst>
-            <pc:docMk/>
-            <pc:sldMk cId="336468213" sldId="264"/>
-            <ac:spMk id="3" creationId="{61A8BE8B-7241-4259-8938-20CA19B101F2}"/>
-          </ac:spMkLst>
-        </pc:spChg>
       </pc:sldChg>
-      <pc:sldChg chg="modSp new mod modTransition modAnim">
-        <pc:chgData name="Yang Xu" userId="2ef8d03b0d59ea36" providerId="LiveId" clId="{A3B062B6-7454-4BD5-9FB8-FD5660058AD8}" dt="2020-05-16T14:26:29.300" v="1003"/>
+      <pc:sldChg chg="del">
+        <pc:chgData name="Xu" userId="2ef8d03b0d59ea36" providerId="LiveId" clId="{E518B18D-5428-4365-9555-839F11353D3A}" dt="2020-06-04T04:10:46.552" v="21" actId="47"/>
         <pc:sldMkLst>
           <pc:docMk/>
           <pc:sldMk cId="3774058869" sldId="265"/>
         </pc:sldMkLst>
-        <pc:spChg chg="mod">
-          <ac:chgData name="Yang Xu" userId="2ef8d03b0d59ea36" providerId="LiveId" clId="{A3B062B6-7454-4BD5-9FB8-FD5660058AD8}" dt="2020-05-16T13:24:43.500" v="546"/>
-          <ac:spMkLst>
-            <pc:docMk/>
-            <pc:sldMk cId="3774058869" sldId="265"/>
-            <ac:spMk id="2" creationId="{2C98D507-CEC8-4B13-B1D1-E6C348C4EC2E}"/>
-          </ac:spMkLst>
-        </pc:spChg>
-        <pc:spChg chg="mod">
-          <ac:chgData name="Yang Xu" userId="2ef8d03b0d59ea36" providerId="LiveId" clId="{A3B062B6-7454-4BD5-9FB8-FD5660058AD8}" dt="2020-05-16T13:25:11.883" v="555"/>
-          <ac:spMkLst>
-            <pc:docMk/>
-            <pc:sldMk cId="3774058869" sldId="265"/>
-            <ac:spMk id="3" creationId="{C29C6520-4E3A-4CA0-9329-E5EF8C0304B4}"/>
-          </ac:spMkLst>
-        </pc:spChg>
       </pc:sldChg>
-      <pc:sldChg chg="modSp new mod modTransition modAnim">
-        <pc:chgData name="Yang Xu" userId="2ef8d03b0d59ea36" providerId="LiveId" clId="{A3B062B6-7454-4BD5-9FB8-FD5660058AD8}" dt="2020-05-16T14:26:52.369" v="1008"/>
+      <pc:sldChg chg="del">
+        <pc:chgData name="Xu" userId="2ef8d03b0d59ea36" providerId="LiveId" clId="{E518B18D-5428-4365-9555-839F11353D3A}" dt="2020-06-04T04:10:46.552" v="21" actId="47"/>
         <pc:sldMkLst>
           <pc:docMk/>
           <pc:sldMk cId="2336223732" sldId="266"/>
         </pc:sldMkLst>
+      </pc:sldChg>
+      <pc:sldChg chg="addSp delSp modSp new mod">
+        <pc:chgData name="Xu" userId="2ef8d03b0d59ea36" providerId="LiveId" clId="{E518B18D-5428-4365-9555-839F11353D3A}" dt="2020-06-04T04:15:58.762" v="190"/>
+        <pc:sldMkLst>
+          <pc:docMk/>
+          <pc:sldMk cId="778569500" sldId="268"/>
+        </pc:sldMkLst>
         <pc:spChg chg="mod">
-          <ac:chgData name="Yang Xu" userId="2ef8d03b0d59ea36" providerId="LiveId" clId="{A3B062B6-7454-4BD5-9FB8-FD5660058AD8}" dt="2020-05-16T13:25:31.583" v="563"/>
+          <ac:chgData name="Xu" userId="2ef8d03b0d59ea36" providerId="LiveId" clId="{E518B18D-5428-4365-9555-839F11353D3A}" dt="2020-06-04T04:15:03.842" v="44"/>
           <ac:spMkLst>
             <pc:docMk/>
-            <pc:sldMk cId="2336223732" sldId="266"/>
-            <ac:spMk id="2" creationId="{A96E8A46-CCC6-419A-AE9D-03FD659A2913}"/>
+            <pc:sldMk cId="778569500" sldId="268"/>
+            <ac:spMk id="2" creationId="{CCDAAC46-7CC5-4A5F-AC50-F8F695D7CB23}"/>
           </ac:spMkLst>
         </pc:spChg>
         <pc:spChg chg="mod">
-          <ac:chgData name="Yang Xu" userId="2ef8d03b0d59ea36" providerId="LiveId" clId="{A3B062B6-7454-4BD5-9FB8-FD5660058AD8}" dt="2020-05-16T13:26:21.863" v="576" actId="113"/>
+          <ac:chgData name="Xu" userId="2ef8d03b0d59ea36" providerId="LiveId" clId="{E518B18D-5428-4365-9555-839F11353D3A}" dt="2020-06-04T04:15:58.762" v="190"/>
           <ac:spMkLst>
             <pc:docMk/>
-            <pc:sldMk cId="2336223732" sldId="266"/>
-            <ac:spMk id="3" creationId="{D00C8487-EB8A-4A31-B446-8A0AA1D3675A}"/>
+            <pc:sldMk cId="778569500" sldId="268"/>
+            <ac:spMk id="3" creationId="{D623D3FD-3D24-43F7-BE0C-2C0538408D50}"/>
           </ac:spMkLst>
         </pc:spChg>
-      </pc:sldChg>
-      <pc:sldChg chg="addSp delSp modSp new mod modTransition setBg">
-        <pc:chgData name="Yang Xu" userId="2ef8d03b0d59ea36" providerId="LiveId" clId="{A3B062B6-7454-4BD5-9FB8-FD5660058AD8}" dt="2020-05-16T14:27:51.063" v="1012" actId="26606"/>
-        <pc:sldMkLst>
-          <pc:docMk/>
-          <pc:sldMk cId="2756408979" sldId="267"/>
-        </pc:sldMkLst>
-        <pc:spChg chg="mod">
-          <ac:chgData name="Yang Xu" userId="2ef8d03b0d59ea36" providerId="LiveId" clId="{A3B062B6-7454-4BD5-9FB8-FD5660058AD8}" dt="2020-05-16T14:27:51.063" v="1012" actId="26606"/>
+        <pc:spChg chg="add del">
+          <ac:chgData name="Xu" userId="2ef8d03b0d59ea36" providerId="LiveId" clId="{E518B18D-5428-4365-9555-839F11353D3A}" dt="2020-06-04T04:15:19.470" v="100"/>
           <ac:spMkLst>
             <pc:docMk/>
-            <pc:sldMk cId="2756408979" sldId="267"/>
-            <ac:spMk id="2" creationId="{E703932E-F09D-442C-895A-21388B19EBF0}"/>
+            <pc:sldMk cId="778569500" sldId="268"/>
+            <ac:spMk id="4" creationId="{3E21564D-0927-4E4D-B582-79DBA2A992DD}"/>
           </ac:spMkLst>
         </pc:spChg>
-        <pc:spChg chg="del">
-          <ac:chgData name="Yang Xu" userId="2ef8d03b0d59ea36" providerId="LiveId" clId="{A3B062B6-7454-4BD5-9FB8-FD5660058AD8}" dt="2020-05-16T14:27:44.887" v="1009" actId="931"/>
-          <ac:spMkLst>
-            <pc:docMk/>
-            <pc:sldMk cId="2756408979" sldId="267"/>
-            <ac:spMk id="3" creationId="{53C7214B-69AF-4052-961E-3FA8BABEC209}"/>
-          </ac:spMkLst>
-        </pc:spChg>
-        <pc:spChg chg="mod">
-          <ac:chgData name="Yang Xu" userId="2ef8d03b0d59ea36" providerId="LiveId" clId="{A3B062B6-7454-4BD5-9FB8-FD5660058AD8}" dt="2020-05-16T14:27:51.063" v="1012" actId="26606"/>
-          <ac:spMkLst>
-            <pc:docMk/>
-            <pc:sldMk cId="2756408979" sldId="267"/>
-            <ac:spMk id="4" creationId="{06D1F809-3268-4B61-BA64-3E85D3EA8D33}"/>
-          </ac:spMkLst>
-        </pc:spChg>
-        <pc:spChg chg="add">
-          <ac:chgData name="Yang Xu" userId="2ef8d03b0d59ea36" providerId="LiveId" clId="{A3B062B6-7454-4BD5-9FB8-FD5660058AD8}" dt="2020-05-16T14:27:51.063" v="1012" actId="26606"/>
-          <ac:spMkLst>
-            <pc:docMk/>
-            <pc:sldMk cId="2756408979" sldId="267"/>
-            <ac:spMk id="17" creationId="{D1ECADA1-6568-4D5A-A631-CFD8768936FC}"/>
-          </ac:spMkLst>
-        </pc:spChg>
-        <pc:spChg chg="add">
-          <ac:chgData name="Yang Xu" userId="2ef8d03b0d59ea36" providerId="LiveId" clId="{A3B062B6-7454-4BD5-9FB8-FD5660058AD8}" dt="2020-05-16T14:27:51.063" v="1012" actId="26606"/>
-          <ac:spMkLst>
-            <pc:docMk/>
-            <pc:sldMk cId="2756408979" sldId="267"/>
-            <ac:spMk id="19" creationId="{681D3C41-CC87-4DF9-A716-CDF0E23D21B0}"/>
-          </ac:spMkLst>
-        </pc:spChg>
-        <pc:spChg chg="add">
-          <ac:chgData name="Yang Xu" userId="2ef8d03b0d59ea36" providerId="LiveId" clId="{A3B062B6-7454-4BD5-9FB8-FD5660058AD8}" dt="2020-05-16T14:27:51.063" v="1012" actId="26606"/>
-          <ac:spMkLst>
-            <pc:docMk/>
-            <pc:sldMk cId="2756408979" sldId="267"/>
-            <ac:spMk id="21" creationId="{6764E3F6-59F1-44FF-9EF2-8EF0BCA30B60}"/>
-          </ac:spMkLst>
-        </pc:spChg>
-        <pc:spChg chg="add">
-          <ac:chgData name="Yang Xu" userId="2ef8d03b0d59ea36" providerId="LiveId" clId="{A3B062B6-7454-4BD5-9FB8-FD5660058AD8}" dt="2020-05-16T14:27:51.063" v="1012" actId="26606"/>
-          <ac:spMkLst>
-            <pc:docMk/>
-            <pc:sldMk cId="2756408979" sldId="267"/>
-            <ac:spMk id="25" creationId="{0743C7B8-BD05-4C16-9FC9-6B5C5BA3A043}"/>
-          </ac:spMkLst>
-        </pc:spChg>
-        <pc:spChg chg="add">
-          <ac:chgData name="Yang Xu" userId="2ef8d03b0d59ea36" providerId="LiveId" clId="{A3B062B6-7454-4BD5-9FB8-FD5660058AD8}" dt="2020-05-16T14:27:51.063" v="1012" actId="26606"/>
-          <ac:spMkLst>
-            <pc:docMk/>
-            <pc:sldMk cId="2756408979" sldId="267"/>
-            <ac:spMk id="27" creationId="{E6B9B529-EAD6-442A-92A1-6A496B93297E}"/>
-          </ac:spMkLst>
-        </pc:spChg>
-        <pc:picChg chg="add mod ord">
-          <ac:chgData name="Yang Xu" userId="2ef8d03b0d59ea36" providerId="LiveId" clId="{A3B062B6-7454-4BD5-9FB8-FD5660058AD8}" dt="2020-05-16T14:27:51.063" v="1012" actId="26606"/>
-          <ac:picMkLst>
-            <pc:docMk/>
-            <pc:sldMk cId="2756408979" sldId="267"/>
-            <ac:picMk id="6" creationId="{D4AF25E8-B3C4-42AD-923E-6CA96282FF47}"/>
-          </ac:picMkLst>
-        </pc:picChg>
-        <pc:picChg chg="add">
-          <ac:chgData name="Yang Xu" userId="2ef8d03b0d59ea36" providerId="LiveId" clId="{A3B062B6-7454-4BD5-9FB8-FD5660058AD8}" dt="2020-05-16T14:27:51.063" v="1012" actId="26606"/>
-          <ac:picMkLst>
-            <pc:docMk/>
-            <pc:sldMk cId="2756408979" sldId="267"/>
-            <ac:picMk id="11" creationId="{9B9C2B48-3899-4B1D-B526-C35DFD16BC01}"/>
-          </ac:picMkLst>
-        </pc:picChg>
-        <pc:picChg chg="add">
-          <ac:chgData name="Yang Xu" userId="2ef8d03b0d59ea36" providerId="LiveId" clId="{A3B062B6-7454-4BD5-9FB8-FD5660058AD8}" dt="2020-05-16T14:27:51.063" v="1012" actId="26606"/>
-          <ac:picMkLst>
-            <pc:docMk/>
-            <pc:sldMk cId="2756408979" sldId="267"/>
-            <ac:picMk id="13" creationId="{7B1BCBEC-C5E7-469F-92CF-05506BB6E22D}"/>
-          </ac:picMkLst>
-        </pc:picChg>
-        <pc:picChg chg="add">
-          <ac:chgData name="Yang Xu" userId="2ef8d03b0d59ea36" providerId="LiveId" clId="{A3B062B6-7454-4BD5-9FB8-FD5660058AD8}" dt="2020-05-16T14:27:51.063" v="1012" actId="26606"/>
-          <ac:picMkLst>
-            <pc:docMk/>
-            <pc:sldMk cId="2756408979" sldId="267"/>
-            <ac:picMk id="15" creationId="{2A078177-9A72-44C2-BDC1-C1F346162BF8}"/>
-          </ac:picMkLst>
-        </pc:picChg>
-        <pc:picChg chg="add">
-          <ac:chgData name="Yang Xu" userId="2ef8d03b0d59ea36" providerId="LiveId" clId="{A3B062B6-7454-4BD5-9FB8-FD5660058AD8}" dt="2020-05-16T14:27:51.063" v="1012" actId="26606"/>
-          <ac:picMkLst>
-            <pc:docMk/>
-            <pc:sldMk cId="2756408979" sldId="267"/>
-            <ac:picMk id="23" creationId="{8DF1CE84-BC06-4E42-A5D4-7B92E327FDF7}"/>
-          </ac:picMkLst>
-        </pc:picChg>
-        <pc:picChg chg="add">
-          <ac:chgData name="Yang Xu" userId="2ef8d03b0d59ea36" providerId="LiveId" clId="{A3B062B6-7454-4BD5-9FB8-FD5660058AD8}" dt="2020-05-16T14:27:51.063" v="1012" actId="26606"/>
-          <ac:picMkLst>
-            <pc:docMk/>
-            <pc:sldMk cId="2756408979" sldId="267"/>
-            <ac:picMk id="29" creationId="{C0419FA5-A1B5-487F-92D4-03983819F9B9}"/>
-          </ac:picMkLst>
-        </pc:picChg>
       </pc:sldChg>
     </pc:docChg>
   </pc:docChgLst>
@@ -1094,27 +833,81 @@
     </pc:docChg>
   </pc:docChgLst>
   <pc:docChgLst>
-    <pc:chgData name="Xu" userId="2ef8d03b0d59ea36" providerId="LiveId" clId="{E518B18D-5428-4365-9555-839F11353D3A}"/>
-    <pc:docChg chg="addSld delSld modSld">
-      <pc:chgData name="Xu" userId="2ef8d03b0d59ea36" providerId="LiveId" clId="{E518B18D-5428-4365-9555-839F11353D3A}" dt="2020-06-04T04:15:58.762" v="190"/>
+    <pc:chgData name="Yang Xu" userId="2ef8d03b0d59ea36" providerId="LiveId" clId="{A3B062B6-7454-4BD5-9FB8-FD5660058AD8}"/>
+    <pc:docChg chg="undo custSel mod addSld delSld modSld">
+      <pc:chgData name="Yang Xu" userId="2ef8d03b0d59ea36" providerId="LiveId" clId="{A3B062B6-7454-4BD5-9FB8-FD5660058AD8}" dt="2020-05-16T14:27:51.063" v="1012" actId="26606"/>
       <pc:docMkLst>
         <pc:docMk/>
       </pc:docMkLst>
-      <pc:sldChg chg="del">
-        <pc:chgData name="Xu" userId="2ef8d03b0d59ea36" providerId="LiveId" clId="{E518B18D-5428-4365-9555-839F11353D3A}" dt="2020-06-04T04:10:46.552" v="21" actId="47"/>
+      <pc:sldChg chg="addSp delSp modSp mod modTransition">
+        <pc:chgData name="Yang Xu" userId="2ef8d03b0d59ea36" providerId="LiveId" clId="{A3B062B6-7454-4BD5-9FB8-FD5660058AD8}" dt="2020-05-16T14:03:52.334" v="984"/>
+        <pc:sldMkLst>
+          <pc:docMk/>
+          <pc:sldMk cId="477735695" sldId="256"/>
+        </pc:sldMkLst>
+        <pc:spChg chg="mod">
+          <ac:chgData name="Yang Xu" userId="2ef8d03b0d59ea36" providerId="LiveId" clId="{A3B062B6-7454-4BD5-9FB8-FD5660058AD8}" dt="2020-05-16T14:03:36.181" v="975" actId="404"/>
+          <ac:spMkLst>
+            <pc:docMk/>
+            <pc:sldMk cId="477735695" sldId="256"/>
+            <ac:spMk id="3" creationId="{A33DA443-D464-48F6-83B3-A5D2EB31C0B3}"/>
+          </ac:spMkLst>
+        </pc:spChg>
+        <pc:picChg chg="add del mod">
+          <ac:chgData name="Yang Xu" userId="2ef8d03b0d59ea36" providerId="LiveId" clId="{A3B062B6-7454-4BD5-9FB8-FD5660058AD8}" dt="2020-05-16T13:15:17.363" v="77" actId="478"/>
+          <ac:picMkLst>
+            <pc:docMk/>
+            <pc:sldMk cId="477735695" sldId="256"/>
+            <ac:picMk id="5" creationId="{96EB7666-3151-432E-B270-CD2D86C45156}"/>
+          </ac:picMkLst>
+        </pc:picChg>
+        <pc:picChg chg="add mod">
+          <ac:chgData name="Yang Xu" userId="2ef8d03b0d59ea36" providerId="LiveId" clId="{A3B062B6-7454-4BD5-9FB8-FD5660058AD8}" dt="2020-05-16T14:03:11.689" v="968" actId="14100"/>
+          <ac:picMkLst>
+            <pc:docMk/>
+            <pc:sldMk cId="477735695" sldId="256"/>
+            <ac:picMk id="6" creationId="{2937F136-FE04-407F-8689-0FBB8ADA0EE9}"/>
+          </ac:picMkLst>
+        </pc:picChg>
+      </pc:sldChg>
+      <pc:sldChg chg="modSp new mod modTransition modAnim">
+        <pc:chgData name="Yang Xu" userId="2ef8d03b0d59ea36" providerId="LiveId" clId="{A3B062B6-7454-4BD5-9FB8-FD5660058AD8}" dt="2020-05-16T14:25:36.959" v="991"/>
         <pc:sldMkLst>
           <pc:docMk/>
           <pc:sldMk cId="2512956064" sldId="257"/>
         </pc:sldMkLst>
+        <pc:spChg chg="mod">
+          <ac:chgData name="Yang Xu" userId="2ef8d03b0d59ea36" providerId="LiveId" clId="{A3B062B6-7454-4BD5-9FB8-FD5660058AD8}" dt="2020-05-16T13:16:53.120" v="94"/>
+          <ac:spMkLst>
+            <pc:docMk/>
+            <pc:sldMk cId="2512956064" sldId="257"/>
+            <ac:spMk id="2" creationId="{F82F924D-AEEA-44A2-9A99-0E2D9053CAB0}"/>
+          </ac:spMkLst>
+        </pc:spChg>
+        <pc:spChg chg="mod">
+          <ac:chgData name="Yang Xu" userId="2ef8d03b0d59ea36" providerId="LiveId" clId="{A3B062B6-7454-4BD5-9FB8-FD5660058AD8}" dt="2020-05-16T13:18:57.736" v="187" actId="20577"/>
+          <ac:spMkLst>
+            <pc:docMk/>
+            <pc:sldMk cId="2512956064" sldId="257"/>
+            <ac:spMk id="3" creationId="{55714862-13C2-4979-94CB-9F5A812E8E14}"/>
+          </ac:spMkLst>
+        </pc:spChg>
       </pc:sldChg>
-      <pc:sldChg chg="modSp mod">
-        <pc:chgData name="Xu" userId="2ef8d03b0d59ea36" providerId="LiveId" clId="{E518B18D-5428-4365-9555-839F11353D3A}" dt="2020-06-04T04:10:41.270" v="20"/>
+      <pc:sldChg chg="new del">
+        <pc:chgData name="Yang Xu" userId="2ef8d03b0d59ea36" providerId="LiveId" clId="{A3B062B6-7454-4BD5-9FB8-FD5660058AD8}" dt="2020-05-16T12:57:55.027" v="1" actId="47"/>
+        <pc:sldMkLst>
+          <pc:docMk/>
+          <pc:sldMk cId="3499622369" sldId="257"/>
+        </pc:sldMkLst>
+      </pc:sldChg>
+      <pc:sldChg chg="modSp new mod modTransition">
+        <pc:chgData name="Yang Xu" userId="2ef8d03b0d59ea36" providerId="LiveId" clId="{A3B062B6-7454-4BD5-9FB8-FD5660058AD8}" dt="2020-05-16T14:25:06.223" v="985"/>
         <pc:sldMkLst>
           <pc:docMk/>
           <pc:sldMk cId="1936153105" sldId="258"/>
         </pc:sldMkLst>
         <pc:spChg chg="mod">
-          <ac:chgData name="Xu" userId="2ef8d03b0d59ea36" providerId="LiveId" clId="{E518B18D-5428-4365-9555-839F11353D3A}" dt="2020-06-04T04:10:41.270" v="20"/>
+          <ac:chgData name="Yang Xu" userId="2ef8d03b0d59ea36" providerId="LiveId" clId="{A3B062B6-7454-4BD5-9FB8-FD5660058AD8}" dt="2020-05-16T13:17:09.861" v="165"/>
           <ac:spMkLst>
             <pc:docMk/>
             <pc:sldMk cId="1936153105" sldId="258"/>
@@ -1122,85 +915,292 @@
           </ac:spMkLst>
         </pc:spChg>
       </pc:sldChg>
-      <pc:sldChg chg="del">
-        <pc:chgData name="Xu" userId="2ef8d03b0d59ea36" providerId="LiveId" clId="{E518B18D-5428-4365-9555-839F11353D3A}" dt="2020-06-04T04:10:46.552" v="21" actId="47"/>
+      <pc:sldChg chg="modSp new mod modTransition modAnim">
+        <pc:chgData name="Yang Xu" userId="2ef8d03b0d59ea36" providerId="LiveId" clId="{A3B062B6-7454-4BD5-9FB8-FD5660058AD8}" dt="2020-05-16T14:25:49.528" v="994"/>
         <pc:sldMkLst>
           <pc:docMk/>
           <pc:sldMk cId="1503840005" sldId="259"/>
         </pc:sldMkLst>
+        <pc:spChg chg="mod">
+          <ac:chgData name="Yang Xu" userId="2ef8d03b0d59ea36" providerId="LiveId" clId="{A3B062B6-7454-4BD5-9FB8-FD5660058AD8}" dt="2020-05-16T13:19:27.132" v="219"/>
+          <ac:spMkLst>
+            <pc:docMk/>
+            <pc:sldMk cId="1503840005" sldId="259"/>
+            <ac:spMk id="2" creationId="{8E5D13C9-40CA-43A1-8A5C-ED709575DF02}"/>
+          </ac:spMkLst>
+        </pc:spChg>
+        <pc:spChg chg="mod">
+          <ac:chgData name="Yang Xu" userId="2ef8d03b0d59ea36" providerId="LiveId" clId="{A3B062B6-7454-4BD5-9FB8-FD5660058AD8}" dt="2020-05-16T13:21:05.179" v="243"/>
+          <ac:spMkLst>
+            <pc:docMk/>
+            <pc:sldMk cId="1503840005" sldId="259"/>
+            <ac:spMk id="3" creationId="{55D7D51F-507E-4274-B15E-FE0898F037BC}"/>
+          </ac:spMkLst>
+        </pc:spChg>
       </pc:sldChg>
-      <pc:sldChg chg="del">
-        <pc:chgData name="Xu" userId="2ef8d03b0d59ea36" providerId="LiveId" clId="{E518B18D-5428-4365-9555-839F11353D3A}" dt="2020-06-04T04:10:46.552" v="21" actId="47"/>
+      <pc:sldChg chg="modSp new mod modTransition">
+        <pc:chgData name="Yang Xu" userId="2ef8d03b0d59ea36" providerId="LiveId" clId="{A3B062B6-7454-4BD5-9FB8-FD5660058AD8}" dt="2020-05-16T14:25:06.223" v="985"/>
         <pc:sldMkLst>
           <pc:docMk/>
           <pc:sldMk cId="3860218374" sldId="260"/>
         </pc:sldMkLst>
+        <pc:spChg chg="mod">
+          <ac:chgData name="Yang Xu" userId="2ef8d03b0d59ea36" providerId="LiveId" clId="{A3B062B6-7454-4BD5-9FB8-FD5660058AD8}" dt="2020-05-16T13:21:29.989" v="263"/>
+          <ac:spMkLst>
+            <pc:docMk/>
+            <pc:sldMk cId="3860218374" sldId="260"/>
+            <ac:spMk id="2" creationId="{9F099842-078A-4C75-AB8E-683FA7BB6ED2}"/>
+          </ac:spMkLst>
+        </pc:spChg>
       </pc:sldChg>
-      <pc:sldChg chg="del">
-        <pc:chgData name="Xu" userId="2ef8d03b0d59ea36" providerId="LiveId" clId="{E518B18D-5428-4365-9555-839F11353D3A}" dt="2020-06-04T04:10:46.552" v="21" actId="47"/>
+      <pc:sldChg chg="modSp new del mod">
+        <pc:chgData name="Yang Xu" userId="2ef8d03b0d59ea36" providerId="LiveId" clId="{A3B062B6-7454-4BD5-9FB8-FD5660058AD8}" dt="2020-05-16T13:21:49.338" v="317" actId="47"/>
+        <pc:sldMkLst>
+          <pc:docMk/>
+          <pc:sldMk cId="1558409088" sldId="261"/>
+        </pc:sldMkLst>
+        <pc:spChg chg="mod">
+          <ac:chgData name="Yang Xu" userId="2ef8d03b0d59ea36" providerId="LiveId" clId="{A3B062B6-7454-4BD5-9FB8-FD5660058AD8}" dt="2020-05-16T13:21:42.664" v="314"/>
+          <ac:spMkLst>
+            <pc:docMk/>
+            <pc:sldMk cId="1558409088" sldId="261"/>
+            <ac:spMk id="2" creationId="{928EB5CF-D744-4D35-BA35-DB99DEB0271B}"/>
+          </ac:spMkLst>
+        </pc:spChg>
+      </pc:sldChg>
+      <pc:sldChg chg="modSp new mod modTransition">
+        <pc:chgData name="Yang Xu" userId="2ef8d03b0d59ea36" providerId="LiveId" clId="{A3B062B6-7454-4BD5-9FB8-FD5660058AD8}" dt="2020-05-16T14:25:06.223" v="985"/>
         <pc:sldMkLst>
           <pc:docMk/>
           <pc:sldMk cId="1477368812" sldId="262"/>
         </pc:sldMkLst>
+        <pc:spChg chg="mod">
+          <ac:chgData name="Yang Xu" userId="2ef8d03b0d59ea36" providerId="LiveId" clId="{A3B062B6-7454-4BD5-9FB8-FD5660058AD8}" dt="2020-05-16T13:21:47.855" v="316"/>
+          <ac:spMkLst>
+            <pc:docMk/>
+            <pc:sldMk cId="1477368812" sldId="262"/>
+            <ac:spMk id="2" creationId="{43DA6D8F-FEA2-4410-AB66-15C1754A341F}"/>
+          </ac:spMkLst>
+        </pc:spChg>
+        <pc:spChg chg="mod">
+          <ac:chgData name="Yang Xu" userId="2ef8d03b0d59ea36" providerId="LiveId" clId="{A3B062B6-7454-4BD5-9FB8-FD5660058AD8}" dt="2020-05-16T13:22:20.694" v="405" actId="20577"/>
+          <ac:spMkLst>
+            <pc:docMk/>
+            <pc:sldMk cId="1477368812" sldId="262"/>
+            <ac:spMk id="3" creationId="{D3DAFE90-71C9-4822-838E-23CC9692CF44}"/>
+          </ac:spMkLst>
+        </pc:spChg>
       </pc:sldChg>
-      <pc:sldChg chg="del">
-        <pc:chgData name="Xu" userId="2ef8d03b0d59ea36" providerId="LiveId" clId="{E518B18D-5428-4365-9555-839F11353D3A}" dt="2020-06-04T04:10:46.552" v="21" actId="47"/>
+      <pc:sldChg chg="modSp new mod modTransition">
+        <pc:chgData name="Yang Xu" userId="2ef8d03b0d59ea36" providerId="LiveId" clId="{A3B062B6-7454-4BD5-9FB8-FD5660058AD8}" dt="2020-05-16T14:25:06.223" v="985"/>
         <pc:sldMkLst>
           <pc:docMk/>
           <pc:sldMk cId="4135838749" sldId="263"/>
         </pc:sldMkLst>
+        <pc:spChg chg="mod">
+          <ac:chgData name="Yang Xu" userId="2ef8d03b0d59ea36" providerId="LiveId" clId="{A3B062B6-7454-4BD5-9FB8-FD5660058AD8}" dt="2020-05-16T13:22:47.552" v="470"/>
+          <ac:spMkLst>
+            <pc:docMk/>
+            <pc:sldMk cId="4135838749" sldId="263"/>
+            <ac:spMk id="2" creationId="{3E218AFE-5EF2-42D2-B974-6F68A983B671}"/>
+          </ac:spMkLst>
+        </pc:spChg>
+        <pc:spChg chg="mod">
+          <ac:chgData name="Yang Xu" userId="2ef8d03b0d59ea36" providerId="LiveId" clId="{A3B062B6-7454-4BD5-9FB8-FD5660058AD8}" dt="2020-05-16T13:23:08.122" v="493"/>
+          <ac:spMkLst>
+            <pc:docMk/>
+            <pc:sldMk cId="4135838749" sldId="263"/>
+            <ac:spMk id="3" creationId="{2D609566-B550-4F00-9C8C-CFF694DD946F}"/>
+          </ac:spMkLst>
+        </pc:spChg>
       </pc:sldChg>
-      <pc:sldChg chg="del">
-        <pc:chgData name="Xu" userId="2ef8d03b0d59ea36" providerId="LiveId" clId="{E518B18D-5428-4365-9555-839F11353D3A}" dt="2020-06-04T04:10:46.552" v="21" actId="47"/>
+      <pc:sldChg chg="modSp new mod modTransition modAnim">
+        <pc:chgData name="Yang Xu" userId="2ef8d03b0d59ea36" providerId="LiveId" clId="{A3B062B6-7454-4BD5-9FB8-FD5660058AD8}" dt="2020-05-16T14:26:18.396" v="1000"/>
         <pc:sldMkLst>
           <pc:docMk/>
           <pc:sldMk cId="336468213" sldId="264"/>
         </pc:sldMkLst>
+        <pc:spChg chg="mod">
+          <ac:chgData name="Yang Xu" userId="2ef8d03b0d59ea36" providerId="LiveId" clId="{A3B062B6-7454-4BD5-9FB8-FD5660058AD8}" dt="2020-05-16T13:24:26.366" v="538"/>
+          <ac:spMkLst>
+            <pc:docMk/>
+            <pc:sldMk cId="336468213" sldId="264"/>
+            <ac:spMk id="2" creationId="{DCB73388-AC47-4B23-A361-0CED689CEEB2}"/>
+          </ac:spMkLst>
+        </pc:spChg>
+        <pc:spChg chg="mod">
+          <ac:chgData name="Yang Xu" userId="2ef8d03b0d59ea36" providerId="LiveId" clId="{A3B062B6-7454-4BD5-9FB8-FD5660058AD8}" dt="2020-05-16T13:24:03.280" v="503" actId="15"/>
+          <ac:spMkLst>
+            <pc:docMk/>
+            <pc:sldMk cId="336468213" sldId="264"/>
+            <ac:spMk id="3" creationId="{61A8BE8B-7241-4259-8938-20CA19B101F2}"/>
+          </ac:spMkLst>
+        </pc:spChg>
       </pc:sldChg>
-      <pc:sldChg chg="del">
-        <pc:chgData name="Xu" userId="2ef8d03b0d59ea36" providerId="LiveId" clId="{E518B18D-5428-4365-9555-839F11353D3A}" dt="2020-06-04T04:10:46.552" v="21" actId="47"/>
+      <pc:sldChg chg="modSp new mod modTransition modAnim">
+        <pc:chgData name="Yang Xu" userId="2ef8d03b0d59ea36" providerId="LiveId" clId="{A3B062B6-7454-4BD5-9FB8-FD5660058AD8}" dt="2020-05-16T14:26:29.300" v="1003"/>
         <pc:sldMkLst>
           <pc:docMk/>
           <pc:sldMk cId="3774058869" sldId="265"/>
         </pc:sldMkLst>
+        <pc:spChg chg="mod">
+          <ac:chgData name="Yang Xu" userId="2ef8d03b0d59ea36" providerId="LiveId" clId="{A3B062B6-7454-4BD5-9FB8-FD5660058AD8}" dt="2020-05-16T13:24:43.500" v="546"/>
+          <ac:spMkLst>
+            <pc:docMk/>
+            <pc:sldMk cId="3774058869" sldId="265"/>
+            <ac:spMk id="2" creationId="{2C98D507-CEC8-4B13-B1D1-E6C348C4EC2E}"/>
+          </ac:spMkLst>
+        </pc:spChg>
+        <pc:spChg chg="mod">
+          <ac:chgData name="Yang Xu" userId="2ef8d03b0d59ea36" providerId="LiveId" clId="{A3B062B6-7454-4BD5-9FB8-FD5660058AD8}" dt="2020-05-16T13:25:11.883" v="555"/>
+          <ac:spMkLst>
+            <pc:docMk/>
+            <pc:sldMk cId="3774058869" sldId="265"/>
+            <ac:spMk id="3" creationId="{C29C6520-4E3A-4CA0-9329-E5EF8C0304B4}"/>
+          </ac:spMkLst>
+        </pc:spChg>
       </pc:sldChg>
-      <pc:sldChg chg="del">
-        <pc:chgData name="Xu" userId="2ef8d03b0d59ea36" providerId="LiveId" clId="{E518B18D-5428-4365-9555-839F11353D3A}" dt="2020-06-04T04:10:46.552" v="21" actId="47"/>
+      <pc:sldChg chg="modSp new mod modTransition modAnim">
+        <pc:chgData name="Yang Xu" userId="2ef8d03b0d59ea36" providerId="LiveId" clId="{A3B062B6-7454-4BD5-9FB8-FD5660058AD8}" dt="2020-05-16T14:26:52.369" v="1008"/>
         <pc:sldMkLst>
           <pc:docMk/>
           <pc:sldMk cId="2336223732" sldId="266"/>
         </pc:sldMkLst>
-      </pc:sldChg>
-      <pc:sldChg chg="addSp delSp modSp new mod">
-        <pc:chgData name="Xu" userId="2ef8d03b0d59ea36" providerId="LiveId" clId="{E518B18D-5428-4365-9555-839F11353D3A}" dt="2020-06-04T04:15:58.762" v="190"/>
-        <pc:sldMkLst>
-          <pc:docMk/>
-          <pc:sldMk cId="778569500" sldId="268"/>
-        </pc:sldMkLst>
         <pc:spChg chg="mod">
-          <ac:chgData name="Xu" userId="2ef8d03b0d59ea36" providerId="LiveId" clId="{E518B18D-5428-4365-9555-839F11353D3A}" dt="2020-06-04T04:15:03.842" v="44"/>
+          <ac:chgData name="Yang Xu" userId="2ef8d03b0d59ea36" providerId="LiveId" clId="{A3B062B6-7454-4BD5-9FB8-FD5660058AD8}" dt="2020-05-16T13:25:31.583" v="563"/>
           <ac:spMkLst>
             <pc:docMk/>
-            <pc:sldMk cId="778569500" sldId="268"/>
-            <ac:spMk id="2" creationId="{CCDAAC46-7CC5-4A5F-AC50-F8F695D7CB23}"/>
+            <pc:sldMk cId="2336223732" sldId="266"/>
+            <ac:spMk id="2" creationId="{A96E8A46-CCC6-419A-AE9D-03FD659A2913}"/>
           </ac:spMkLst>
         </pc:spChg>
         <pc:spChg chg="mod">
-          <ac:chgData name="Xu" userId="2ef8d03b0d59ea36" providerId="LiveId" clId="{E518B18D-5428-4365-9555-839F11353D3A}" dt="2020-06-04T04:15:58.762" v="190"/>
+          <ac:chgData name="Yang Xu" userId="2ef8d03b0d59ea36" providerId="LiveId" clId="{A3B062B6-7454-4BD5-9FB8-FD5660058AD8}" dt="2020-05-16T13:26:21.863" v="576" actId="113"/>
           <ac:spMkLst>
             <pc:docMk/>
-            <pc:sldMk cId="778569500" sldId="268"/>
-            <ac:spMk id="3" creationId="{D623D3FD-3D24-43F7-BE0C-2C0538408D50}"/>
+            <pc:sldMk cId="2336223732" sldId="266"/>
+            <ac:spMk id="3" creationId="{D00C8487-EB8A-4A31-B446-8A0AA1D3675A}"/>
           </ac:spMkLst>
         </pc:spChg>
-        <pc:spChg chg="add del">
-          <ac:chgData name="Xu" userId="2ef8d03b0d59ea36" providerId="LiveId" clId="{E518B18D-5428-4365-9555-839F11353D3A}" dt="2020-06-04T04:15:19.470" v="100"/>
+      </pc:sldChg>
+      <pc:sldChg chg="addSp delSp modSp new mod modTransition setBg">
+        <pc:chgData name="Yang Xu" userId="2ef8d03b0d59ea36" providerId="LiveId" clId="{A3B062B6-7454-4BD5-9FB8-FD5660058AD8}" dt="2020-05-16T14:27:51.063" v="1012" actId="26606"/>
+        <pc:sldMkLst>
+          <pc:docMk/>
+          <pc:sldMk cId="2756408979" sldId="267"/>
+        </pc:sldMkLst>
+        <pc:spChg chg="mod">
+          <ac:chgData name="Yang Xu" userId="2ef8d03b0d59ea36" providerId="LiveId" clId="{A3B062B6-7454-4BD5-9FB8-FD5660058AD8}" dt="2020-05-16T14:27:51.063" v="1012" actId="26606"/>
           <ac:spMkLst>
             <pc:docMk/>
-            <pc:sldMk cId="778569500" sldId="268"/>
-            <ac:spMk id="4" creationId="{3E21564D-0927-4E4D-B582-79DBA2A992DD}"/>
+            <pc:sldMk cId="2756408979" sldId="267"/>
+            <ac:spMk id="2" creationId="{E703932E-F09D-442C-895A-21388B19EBF0}"/>
           </ac:spMkLst>
         </pc:spChg>
+        <pc:spChg chg="del">
+          <ac:chgData name="Yang Xu" userId="2ef8d03b0d59ea36" providerId="LiveId" clId="{A3B062B6-7454-4BD5-9FB8-FD5660058AD8}" dt="2020-05-16T14:27:44.887" v="1009" actId="931"/>
+          <ac:spMkLst>
+            <pc:docMk/>
+            <pc:sldMk cId="2756408979" sldId="267"/>
+            <ac:spMk id="3" creationId="{53C7214B-69AF-4052-961E-3FA8BABEC209}"/>
+          </ac:spMkLst>
+        </pc:spChg>
+        <pc:spChg chg="mod">
+          <ac:chgData name="Yang Xu" userId="2ef8d03b0d59ea36" providerId="LiveId" clId="{A3B062B6-7454-4BD5-9FB8-FD5660058AD8}" dt="2020-05-16T14:27:51.063" v="1012" actId="26606"/>
+          <ac:spMkLst>
+            <pc:docMk/>
+            <pc:sldMk cId="2756408979" sldId="267"/>
+            <ac:spMk id="4" creationId="{06D1F809-3268-4B61-BA64-3E85D3EA8D33}"/>
+          </ac:spMkLst>
+        </pc:spChg>
+        <pc:spChg chg="add">
+          <ac:chgData name="Yang Xu" userId="2ef8d03b0d59ea36" providerId="LiveId" clId="{A3B062B6-7454-4BD5-9FB8-FD5660058AD8}" dt="2020-05-16T14:27:51.063" v="1012" actId="26606"/>
+          <ac:spMkLst>
+            <pc:docMk/>
+            <pc:sldMk cId="2756408979" sldId="267"/>
+            <ac:spMk id="17" creationId="{D1ECADA1-6568-4D5A-A631-CFD8768936FC}"/>
+          </ac:spMkLst>
+        </pc:spChg>
+        <pc:spChg chg="add">
+          <ac:chgData name="Yang Xu" userId="2ef8d03b0d59ea36" providerId="LiveId" clId="{A3B062B6-7454-4BD5-9FB8-FD5660058AD8}" dt="2020-05-16T14:27:51.063" v="1012" actId="26606"/>
+          <ac:spMkLst>
+            <pc:docMk/>
+            <pc:sldMk cId="2756408979" sldId="267"/>
+            <ac:spMk id="19" creationId="{681D3C41-CC87-4DF9-A716-CDF0E23D21B0}"/>
+          </ac:spMkLst>
+        </pc:spChg>
+        <pc:spChg chg="add">
+          <ac:chgData name="Yang Xu" userId="2ef8d03b0d59ea36" providerId="LiveId" clId="{A3B062B6-7454-4BD5-9FB8-FD5660058AD8}" dt="2020-05-16T14:27:51.063" v="1012" actId="26606"/>
+          <ac:spMkLst>
+            <pc:docMk/>
+            <pc:sldMk cId="2756408979" sldId="267"/>
+            <ac:spMk id="21" creationId="{6764E3F6-59F1-44FF-9EF2-8EF0BCA30B60}"/>
+          </ac:spMkLst>
+        </pc:spChg>
+        <pc:spChg chg="add">
+          <ac:chgData name="Yang Xu" userId="2ef8d03b0d59ea36" providerId="LiveId" clId="{A3B062B6-7454-4BD5-9FB8-FD5660058AD8}" dt="2020-05-16T14:27:51.063" v="1012" actId="26606"/>
+          <ac:spMkLst>
+            <pc:docMk/>
+            <pc:sldMk cId="2756408979" sldId="267"/>
+            <ac:spMk id="25" creationId="{0743C7B8-BD05-4C16-9FC9-6B5C5BA3A043}"/>
+          </ac:spMkLst>
+        </pc:spChg>
+        <pc:spChg chg="add">
+          <ac:chgData name="Yang Xu" userId="2ef8d03b0d59ea36" providerId="LiveId" clId="{A3B062B6-7454-4BD5-9FB8-FD5660058AD8}" dt="2020-05-16T14:27:51.063" v="1012" actId="26606"/>
+          <ac:spMkLst>
+            <pc:docMk/>
+            <pc:sldMk cId="2756408979" sldId="267"/>
+            <ac:spMk id="27" creationId="{E6B9B529-EAD6-442A-92A1-6A496B93297E}"/>
+          </ac:spMkLst>
+        </pc:spChg>
+        <pc:picChg chg="add mod ord">
+          <ac:chgData name="Yang Xu" userId="2ef8d03b0d59ea36" providerId="LiveId" clId="{A3B062B6-7454-4BD5-9FB8-FD5660058AD8}" dt="2020-05-16T14:27:51.063" v="1012" actId="26606"/>
+          <ac:picMkLst>
+            <pc:docMk/>
+            <pc:sldMk cId="2756408979" sldId="267"/>
+            <ac:picMk id="6" creationId="{D4AF25E8-B3C4-42AD-923E-6CA96282FF47}"/>
+          </ac:picMkLst>
+        </pc:picChg>
+        <pc:picChg chg="add">
+          <ac:chgData name="Yang Xu" userId="2ef8d03b0d59ea36" providerId="LiveId" clId="{A3B062B6-7454-4BD5-9FB8-FD5660058AD8}" dt="2020-05-16T14:27:51.063" v="1012" actId="26606"/>
+          <ac:picMkLst>
+            <pc:docMk/>
+            <pc:sldMk cId="2756408979" sldId="267"/>
+            <ac:picMk id="11" creationId="{9B9C2B48-3899-4B1D-B526-C35DFD16BC01}"/>
+          </ac:picMkLst>
+        </pc:picChg>
+        <pc:picChg chg="add">
+          <ac:chgData name="Yang Xu" userId="2ef8d03b0d59ea36" providerId="LiveId" clId="{A3B062B6-7454-4BD5-9FB8-FD5660058AD8}" dt="2020-05-16T14:27:51.063" v="1012" actId="26606"/>
+          <ac:picMkLst>
+            <pc:docMk/>
+            <pc:sldMk cId="2756408979" sldId="267"/>
+            <ac:picMk id="13" creationId="{7B1BCBEC-C5E7-469F-92CF-05506BB6E22D}"/>
+          </ac:picMkLst>
+        </pc:picChg>
+        <pc:picChg chg="add">
+          <ac:chgData name="Yang Xu" userId="2ef8d03b0d59ea36" providerId="LiveId" clId="{A3B062B6-7454-4BD5-9FB8-FD5660058AD8}" dt="2020-05-16T14:27:51.063" v="1012" actId="26606"/>
+          <ac:picMkLst>
+            <pc:docMk/>
+            <pc:sldMk cId="2756408979" sldId="267"/>
+            <ac:picMk id="15" creationId="{2A078177-9A72-44C2-BDC1-C1F346162BF8}"/>
+          </ac:picMkLst>
+        </pc:picChg>
+        <pc:picChg chg="add">
+          <ac:chgData name="Yang Xu" userId="2ef8d03b0d59ea36" providerId="LiveId" clId="{A3B062B6-7454-4BD5-9FB8-FD5660058AD8}" dt="2020-05-16T14:27:51.063" v="1012" actId="26606"/>
+          <ac:picMkLst>
+            <pc:docMk/>
+            <pc:sldMk cId="2756408979" sldId="267"/>
+            <ac:picMk id="23" creationId="{8DF1CE84-BC06-4E42-A5D4-7B92E327FDF7}"/>
+          </ac:picMkLst>
+        </pc:picChg>
+        <pc:picChg chg="add">
+          <ac:chgData name="Yang Xu" userId="2ef8d03b0d59ea36" providerId="LiveId" clId="{A3B062B6-7454-4BD5-9FB8-FD5660058AD8}" dt="2020-05-16T14:27:51.063" v="1012" actId="26606"/>
+          <ac:picMkLst>
+            <pc:docMk/>
+            <pc:sldMk cId="2756408979" sldId="267"/>
+            <ac:picMk id="29" creationId="{C0419FA5-A1B5-487F-92D4-03983819F9B9}"/>
+          </ac:picMkLst>
+        </pc:picChg>
       </pc:sldChg>
     </pc:docChg>
   </pc:docChgLst>
@@ -1814,7 +1814,7 @@
           <a:p>
             <a:fld id="{397E0307-B85C-446A-8EF0-0407D435D787}" type="datetimeFigureOut">
               <a:rPr lang="en-US" smtClean="0"/>
-              <a:t>7/15/2020</a:t>
+              <a:t>9/25/2021</a:t>
             </a:fld>
             <a:endParaRPr lang="en-US" dirty="0"/>
           </a:p>
@@ -2228,7 +2228,7 @@
           <a:p>
             <a:fld id="{8BD862E7-95FA-4FC4-9EC5-DDBFA8DC7417}" type="datetimeFigureOut">
               <a:rPr lang="en-US" smtClean="0"/>
-              <a:t>7/15/2020</a:t>
+              <a:t>9/25/2021</a:t>
             </a:fld>
             <a:endParaRPr lang="en-US" dirty="0"/>
           </a:p>
@@ -2564,7 +2564,7 @@
           <a:p>
             <a:fld id="{8DB987F2-A784-4F72-BB57-0E9EACDE722E}" type="datetimeFigureOut">
               <a:rPr lang="en-US" smtClean="0"/>
-              <a:t>7/15/2020</a:t>
+              <a:t>9/25/2021</a:t>
             </a:fld>
             <a:endParaRPr lang="en-US" dirty="0"/>
           </a:p>
@@ -2969,7 +2969,7 @@
           <a:p>
             <a:fld id="{40BBD51E-4B19-444E-85C0-DBD7EB6263F4}" type="datetimeFigureOut">
               <a:rPr lang="en-US" smtClean="0"/>
-              <a:t>7/15/2020</a:t>
+              <a:t>9/25/2021</a:t>
             </a:fld>
             <a:endParaRPr lang="en-US" dirty="0"/>
           </a:p>
@@ -3537,7 +3537,7 @@
           <a:p>
             <a:fld id="{F0D7255A-4AD5-4D3E-9A0A-689DA3BA976C}" type="datetimeFigureOut">
               <a:rPr lang="en-US" smtClean="0"/>
-              <a:t>7/15/2020</a:t>
+              <a:t>9/25/2021</a:t>
             </a:fld>
             <a:endParaRPr lang="en-US" dirty="0"/>
           </a:p>
@@ -4218,7 +4218,7 @@
           <a:p>
             <a:fld id="{3EE0AD15-87AC-45B2-9EE5-8D165AF83CD7}" type="datetimeFigureOut">
               <a:rPr lang="en-US" smtClean="0"/>
-              <a:t>7/15/2020</a:t>
+              <a:t>9/25/2021</a:t>
             </a:fld>
             <a:endParaRPr lang="en-US" dirty="0"/>
           </a:p>
@@ -5131,7 +5131,7 @@
           <a:p>
             <a:fld id="{FCC40CCD-F0D6-4CC2-A4C8-2D7D0D875F02}" type="datetimeFigureOut">
               <a:rPr lang="en-US" smtClean="0"/>
-              <a:t>7/15/2020</a:t>
+              <a:t>9/25/2021</a:t>
             </a:fld>
             <a:endParaRPr lang="en-US" dirty="0"/>
           </a:p>
@@ -5444,7 +5444,7 @@
           <a:p>
             <a:fld id="{B3CFE2CC-454D-4466-AC55-B86DA0A87BAE}" type="datetimeFigureOut">
               <a:rPr lang="en-US" smtClean="0"/>
-              <a:t>7/15/2020</a:t>
+              <a:t>9/25/2021</a:t>
             </a:fld>
             <a:endParaRPr lang="en-US" dirty="0"/>
           </a:p>
@@ -5708,7 +5708,7 @@
           <a:p>
             <a:fld id="{B647B1BF-4039-460D-A637-65428CBD720E}" type="datetimeFigureOut">
               <a:rPr lang="en-US" smtClean="0"/>
-              <a:t>7/15/2020</a:t>
+              <a:t>9/25/2021</a:t>
             </a:fld>
             <a:endParaRPr lang="en-US" dirty="0"/>
           </a:p>
@@ -6032,7 +6032,7 @@
           <a:p>
             <a:fld id="{AAA39ACE-9343-4EBE-B5CA-AEA240A1DC53}" type="datetimeFigureOut">
               <a:rPr lang="en-US" smtClean="0"/>
-              <a:t>7/15/2020</a:t>
+              <a:t>9/25/2021</a:t>
             </a:fld>
             <a:endParaRPr lang="en-US" dirty="0"/>
           </a:p>
@@ -6421,7 +6421,7 @@
           <a:p>
             <a:fld id="{C9A00F7B-89C5-4DF7-A309-6263220147D4}" type="datetimeFigureOut">
               <a:rPr lang="en-US" smtClean="0"/>
-              <a:t>7/15/2020</a:t>
+              <a:t>9/25/2021</a:t>
             </a:fld>
             <a:endParaRPr lang="en-US" dirty="0"/>
           </a:p>
@@ -6797,7 +6797,7 @@
           <a:p>
             <a:fld id="{449C95DE-FD64-4606-AE61-EC1136867CC6}" type="datetimeFigureOut">
               <a:rPr lang="en-US" smtClean="0"/>
-              <a:t>7/15/2020</a:t>
+              <a:t>9/25/2021</a:t>
             </a:fld>
             <a:endParaRPr lang="en-US" dirty="0"/>
           </a:p>
@@ -7303,7 +7303,7 @@
           <a:p>
             <a:fld id="{5DEB0BBD-30FE-4CF1-900A-0C45149F8AF8}" type="datetimeFigureOut">
               <a:rPr lang="en-US" smtClean="0"/>
-              <a:t>7/15/2020</a:t>
+              <a:t>9/25/2021</a:t>
             </a:fld>
             <a:endParaRPr lang="en-US" dirty="0"/>
           </a:p>
@@ -7560,7 +7560,7 @@
           <a:p>
             <a:fld id="{B91A5F7F-3E81-4C65-A4D1-CB62D5B9DB91}" type="datetimeFigureOut">
               <a:rPr lang="en-US" smtClean="0"/>
-              <a:t>7/15/2020</a:t>
+              <a:t>9/25/2021</a:t>
             </a:fld>
             <a:endParaRPr lang="en-US" dirty="0"/>
           </a:p>
@@ -7723,7 +7723,7 @@
           <a:p>
             <a:fld id="{377ECC86-1672-4627-AEFE-EC5485C73905}" type="datetimeFigureOut">
               <a:rPr lang="en-US" smtClean="0"/>
-              <a:t>7/15/2020</a:t>
+              <a:t>9/25/2021</a:t>
             </a:fld>
             <a:endParaRPr lang="en-US" dirty="0"/>
           </a:p>
@@ -8113,7 +8113,7 @@
           <a:p>
             <a:fld id="{3CDCB01F-D966-4C62-B900-0BE008A90C98}" type="datetimeFigureOut">
               <a:rPr lang="en-US" smtClean="0"/>
-              <a:t>7/15/2020</a:t>
+              <a:t>9/25/2021</a:t>
             </a:fld>
             <a:endParaRPr lang="en-US" dirty="0"/>
           </a:p>
@@ -8522,7 +8522,7 @@
           <a:p>
             <a:fld id="{5E73A0EA-7DC7-4964-BB97-B173EF3B859A}" type="datetimeFigureOut">
               <a:rPr lang="en-US" smtClean="0"/>
-              <a:t>7/15/2020</a:t>
+              <a:t>9/25/2021</a:t>
             </a:fld>
             <a:endParaRPr lang="en-US" dirty="0"/>
           </a:p>
@@ -8766,7 +8766,7 @@
           <a:p>
             <a:fld id="{30EF52CC-F3D9-41D4-BCE4-C208E61A3F31}" type="datetimeFigureOut">
               <a:rPr lang="en-US" smtClean="0"/>
-              <a:t>7/15/2020</a:t>
+              <a:t>9/25/2021</a:t>
             </a:fld>
             <a:endParaRPr lang="en-US" dirty="0"/>
           </a:p>
